--- a/T6. Network programming/Sockets/Demo.pptx
+++ b/T6. Network programming/Sockets/Demo.pptx
@@ -212,7 +212,7 @@
           <a:p>
             <a:fld id="{C6576F63-835E-46F5-AEB3-90A06FD74112}" type="datetimeFigureOut">
               <a:rPr lang="en-US" smtClean="0"/>
-              <a:t>9/3/2018</a:t>
+              <a:t>10/02/19</a:t>
             </a:fld>
             <a:endParaRPr lang="en-US"/>
           </a:p>
@@ -870,7 +870,7 @@
           <a:bodyPr lIns="97329" tIns="48665" rIns="97329" bIns="48665"/>
           <a:lstStyle/>
           <a:p>
-            <a:endParaRPr lang="en-US" altLang="en-US" smtClean="0">
+            <a:endParaRPr lang="en-US" altLang="en-US">
               <a:latin typeface="Times New Roman" panose="02020603050405020304" pitchFamily="18" charset="0"/>
             </a:endParaRPr>
           </a:p>
@@ -1112,7 +1112,7 @@
           <a:bodyPr lIns="97329" tIns="48665" rIns="97329" bIns="48665"/>
           <a:lstStyle/>
           <a:p>
-            <a:endParaRPr lang="en-US" altLang="en-US" smtClean="0">
+            <a:endParaRPr lang="en-US" altLang="en-US">
               <a:latin typeface="Times New Roman" panose="02020603050405020304" pitchFamily="18" charset="0"/>
             </a:endParaRPr>
           </a:p>
@@ -1354,7 +1354,7 @@
           <a:bodyPr lIns="97329" tIns="48665" rIns="97329" bIns="48665"/>
           <a:lstStyle/>
           <a:p>
-            <a:endParaRPr lang="en-US" altLang="en-US" smtClean="0">
+            <a:endParaRPr lang="en-US" altLang="en-US">
               <a:latin typeface="Times New Roman" panose="02020603050405020304" pitchFamily="18" charset="0"/>
             </a:endParaRPr>
           </a:p>
@@ -1596,7 +1596,7 @@
           <a:bodyPr lIns="97329" tIns="48665" rIns="97329" bIns="48665"/>
           <a:lstStyle/>
           <a:p>
-            <a:endParaRPr lang="en-US" altLang="en-US" smtClean="0">
+            <a:endParaRPr lang="en-US" altLang="en-US">
               <a:latin typeface="Times New Roman" panose="02020603050405020304" pitchFamily="18" charset="0"/>
             </a:endParaRPr>
           </a:p>
@@ -1838,7 +1838,7 @@
           <a:bodyPr lIns="97329" tIns="48665" rIns="97329" bIns="48665"/>
           <a:lstStyle/>
           <a:p>
-            <a:endParaRPr lang="en-US" altLang="en-US" smtClean="0">
+            <a:endParaRPr lang="en-US" altLang="en-US">
               <a:latin typeface="Times New Roman" panose="02020603050405020304" pitchFamily="18" charset="0"/>
             </a:endParaRPr>
           </a:p>
@@ -2080,7 +2080,7 @@
           <a:bodyPr lIns="97329" tIns="48665" rIns="97329" bIns="48665"/>
           <a:lstStyle/>
           <a:p>
-            <a:endParaRPr lang="en-US" altLang="en-US" smtClean="0">
+            <a:endParaRPr lang="en-US" altLang="en-US">
               <a:latin typeface="Times New Roman" panose="02020603050405020304" pitchFamily="18" charset="0"/>
             </a:endParaRPr>
           </a:p>
@@ -2322,7 +2322,7 @@
           <a:bodyPr lIns="97329" tIns="48665" rIns="97329" bIns="48665"/>
           <a:lstStyle/>
           <a:p>
-            <a:endParaRPr lang="en-US" altLang="en-US" smtClean="0">
+            <a:endParaRPr lang="en-US" altLang="en-US">
               <a:latin typeface="Times New Roman" panose="02020603050405020304" pitchFamily="18" charset="0"/>
             </a:endParaRPr>
           </a:p>
@@ -4801,8 +4801,43 @@
 </file>
 
 <file path=ppt/slides/slide1.xml><?xml version="1.0" encoding="utf-8"?>
-<p:sld xmlns:a="http://schemas.openxmlformats.org/drawingml/2006/main" xmlns:r="http://schemas.openxmlformats.org/officeDocument/2006/relationships" xmlns:p="http://schemas.openxmlformats.org/presentationml/2006/main">
+<p:sld xmlns:a="http://schemas.openxmlformats.org/drawingml/2006/main" xmlns:r="http://schemas.openxmlformats.org/officeDocument/2006/relationships" xmlns:p="http://schemas.openxmlformats.org/presentationml/2006/main" showMasterSp="0">
   <p:cSld>
+    <p:bg>
+      <p:bgPr>
+        <a:gradFill flip="none" rotWithShape="1">
+          <a:gsLst>
+            <a:gs pos="0">
+              <a:schemeClr val="accent4">
+                <a:lumMod val="5000"/>
+                <a:lumOff val="95000"/>
+              </a:schemeClr>
+            </a:gs>
+            <a:gs pos="58000">
+              <a:schemeClr val="accent1">
+                <a:lumMod val="60000"/>
+                <a:lumOff val="40000"/>
+              </a:schemeClr>
+            </a:gs>
+            <a:gs pos="83000">
+              <a:schemeClr val="accent4">
+                <a:lumMod val="45000"/>
+                <a:lumOff val="55000"/>
+              </a:schemeClr>
+            </a:gs>
+            <a:gs pos="100000">
+              <a:schemeClr val="accent4">
+                <a:lumMod val="40000"/>
+                <a:lumOff val="60000"/>
+              </a:schemeClr>
+            </a:gs>
+          </a:gsLst>
+          <a:lin ang="5400000" scaled="1"/>
+          <a:tileRect/>
+        </a:gradFill>
+        <a:effectLst/>
+      </p:bgPr>
+    </p:bg>
     <p:spTree>
       <p:nvGrpSpPr>
         <p:cNvPr id="1" name=""/>
@@ -4838,7 +4873,7 @@
           <a:lstStyle/>
           <a:p>
             <a:r>
-              <a:rPr lang="en-US" dirty="0" smtClean="0"/>
+              <a:rPr lang="en-US" dirty="0"/>
               <a:t>Unix Socket</a:t>
             </a:r>
             <a:endParaRPr lang="ru-RU" dirty="0"/>
@@ -4861,6 +4896,41 @@
 <file path=ppt/slides/slide10.xml><?xml version="1.0" encoding="utf-8"?>
 <p:sld xmlns:a="http://schemas.openxmlformats.org/drawingml/2006/main" xmlns:r="http://schemas.openxmlformats.org/officeDocument/2006/relationships" xmlns:p="http://schemas.openxmlformats.org/presentationml/2006/main">
   <p:cSld>
+    <p:bg>
+      <p:bgPr>
+        <a:gradFill flip="none" rotWithShape="1">
+          <a:gsLst>
+            <a:gs pos="0">
+              <a:schemeClr val="accent4">
+                <a:lumMod val="5000"/>
+                <a:lumOff val="95000"/>
+              </a:schemeClr>
+            </a:gs>
+            <a:gs pos="58000">
+              <a:schemeClr val="accent1">
+                <a:lumMod val="60000"/>
+                <a:lumOff val="40000"/>
+              </a:schemeClr>
+            </a:gs>
+            <a:gs pos="83000">
+              <a:schemeClr val="accent4">
+                <a:lumMod val="45000"/>
+                <a:lumOff val="55000"/>
+              </a:schemeClr>
+            </a:gs>
+            <a:gs pos="100000">
+              <a:schemeClr val="accent4">
+                <a:lumMod val="40000"/>
+                <a:lumOff val="60000"/>
+              </a:schemeClr>
+            </a:gs>
+          </a:gsLst>
+          <a:lin ang="5400000" scaled="1"/>
+          <a:tileRect/>
+        </a:gradFill>
+        <a:effectLst/>
+      </p:bgPr>
+    </p:bg>
     <p:spTree>
       <p:nvGrpSpPr>
         <p:cNvPr id="1" name=""/>
@@ -4896,7 +4966,7 @@
           <a:p>
             <a:pPr eaLnBrk="1" hangingPunct="1"/>
             <a:r>
-              <a:rPr lang="en-US" altLang="en-US" smtClean="0"/>
+              <a:rPr lang="en-US" altLang="en-US"/>
               <a:t>Socket types</a:t>
             </a:r>
           </a:p>
@@ -5009,6 +5079,41 @@
 <file path=ppt/slides/slide11.xml><?xml version="1.0" encoding="utf-8"?>
 <p:sld xmlns:a="http://schemas.openxmlformats.org/drawingml/2006/main" xmlns:r="http://schemas.openxmlformats.org/officeDocument/2006/relationships" xmlns:p="http://schemas.openxmlformats.org/presentationml/2006/main">
   <p:cSld>
+    <p:bg>
+      <p:bgPr>
+        <a:gradFill flip="none" rotWithShape="1">
+          <a:gsLst>
+            <a:gs pos="0">
+              <a:schemeClr val="accent4">
+                <a:lumMod val="5000"/>
+                <a:lumOff val="95000"/>
+              </a:schemeClr>
+            </a:gs>
+            <a:gs pos="58000">
+              <a:schemeClr val="accent1">
+                <a:lumMod val="60000"/>
+                <a:lumOff val="40000"/>
+              </a:schemeClr>
+            </a:gs>
+            <a:gs pos="83000">
+              <a:schemeClr val="accent4">
+                <a:lumMod val="45000"/>
+                <a:lumOff val="55000"/>
+              </a:schemeClr>
+            </a:gs>
+            <a:gs pos="100000">
+              <a:schemeClr val="accent4">
+                <a:lumMod val="40000"/>
+                <a:lumOff val="60000"/>
+              </a:schemeClr>
+            </a:gs>
+          </a:gsLst>
+          <a:lin ang="5400000" scaled="1"/>
+          <a:tileRect/>
+        </a:gradFill>
+        <a:effectLst/>
+      </p:bgPr>
+    </p:bg>
     <p:spTree>
       <p:nvGrpSpPr>
         <p:cNvPr id="1" name=""/>
@@ -5044,7 +5149,7 @@
           <a:p>
             <a:pPr eaLnBrk="1" hangingPunct="1"/>
             <a:r>
-              <a:rPr lang="en-US" altLang="en-US" smtClean="0"/>
+              <a:rPr lang="en-US" altLang="en-US"/>
               <a:t>Functions : creation</a:t>
             </a:r>
           </a:p>
@@ -5092,16 +5197,12 @@
               <a:buNone/>
             </a:pPr>
             <a:r>
-              <a:rPr lang="en-US" altLang="en-US" sz="2400" dirty="0" err="1" smtClean="0"/>
+              <a:rPr lang="en-US" altLang="en-US" sz="2400" dirty="0" err="1"/>
               <a:t>sockid</a:t>
             </a:r>
             <a:r>
-              <a:rPr lang="en-US" altLang="en-US" sz="2400" dirty="0" smtClean="0"/>
-              <a:t> </a:t>
-            </a:r>
-            <a:r>
               <a:rPr lang="en-US" altLang="en-US" sz="2400" dirty="0"/>
-              <a:t>= socket (</a:t>
+              <a:t> = socket (</a:t>
             </a:r>
             <a:r>
               <a:rPr lang="en-US" altLang="en-US" sz="2400" dirty="0" err="1"/>
@@ -5150,16 +5251,12 @@
               <a:buNone/>
             </a:pPr>
             <a:r>
-              <a:rPr lang="en-US" altLang="en-US" sz="2400" dirty="0" err="1" smtClean="0"/>
+              <a:rPr lang="en-US" altLang="en-US" sz="2400" dirty="0" err="1"/>
               <a:t>af</a:t>
             </a:r>
             <a:r>
-              <a:rPr lang="en-US" altLang="en-US" sz="2400" dirty="0" smtClean="0"/>
-              <a:t> </a:t>
-            </a:r>
-            <a:r>
               <a:rPr lang="en-US" altLang="en-US" sz="2400" dirty="0"/>
-              <a:t>- address family , AF_INET, AF_UNIX, AF_AAPLETALK etc.</a:t>
+              <a:t> - address family , AF_INET, AF_UNIX, AF_AAPLETALK etc.</a:t>
             </a:r>
           </a:p>
           <a:p>
@@ -5171,12 +5268,8 @@
               <a:buNone/>
             </a:pPr>
             <a:r>
-              <a:rPr lang="en-US" altLang="en-US" sz="2400" dirty="0" smtClean="0"/>
-              <a:t>type </a:t>
-            </a:r>
-            <a:r>
               <a:rPr lang="en-US" altLang="en-US" sz="2400" dirty="0"/>
-              <a:t>- communication type: </a:t>
+              <a:t>type - communication type: </a:t>
             </a:r>
           </a:p>
           <a:p>
@@ -5201,12 +5294,8 @@
               <a:buNone/>
             </a:pPr>
             <a:r>
-              <a:rPr lang="en-US" altLang="en-US" sz="2400" dirty="0" smtClean="0"/>
-              <a:t>protocol </a:t>
-            </a:r>
-            <a:r>
               <a:rPr lang="en-US" altLang="en-US" sz="2400" dirty="0"/>
-              <a:t>- some domains have multiple protocol, use a 0 for your appl.</a:t>
+              <a:t>protocol - some domains have multiple protocol, use a 0 for your appl.</a:t>
             </a:r>
           </a:p>
           <a:p>
@@ -5218,12 +5307,8 @@
               <a:buNone/>
             </a:pPr>
             <a:r>
-              <a:rPr lang="en-US" altLang="en-US" sz="2400" dirty="0" smtClean="0"/>
-              <a:t>Example</a:t>
-            </a:r>
-            <a:r>
               <a:rPr lang="en-US" altLang="en-US" sz="2400" dirty="0"/>
-              <a:t>: door1 = socket(AF_UNIX, SOCK_DGRAM,0);</a:t>
+              <a:t>Example: door1 = socket(AF_UNIX, SOCK_DGRAM,0);</a:t>
             </a:r>
           </a:p>
         </p:txBody>
@@ -5245,6 +5330,41 @@
 <file path=ppt/slides/slide12.xml><?xml version="1.0" encoding="utf-8"?>
 <p:sld xmlns:a="http://schemas.openxmlformats.org/drawingml/2006/main" xmlns:r="http://schemas.openxmlformats.org/officeDocument/2006/relationships" xmlns:p="http://schemas.openxmlformats.org/presentationml/2006/main">
   <p:cSld>
+    <p:bg>
+      <p:bgPr>
+        <a:gradFill flip="none" rotWithShape="1">
+          <a:gsLst>
+            <a:gs pos="0">
+              <a:schemeClr val="accent4">
+                <a:lumMod val="5000"/>
+                <a:lumOff val="95000"/>
+              </a:schemeClr>
+            </a:gs>
+            <a:gs pos="58000">
+              <a:schemeClr val="accent1">
+                <a:lumMod val="60000"/>
+                <a:lumOff val="40000"/>
+              </a:schemeClr>
+            </a:gs>
+            <a:gs pos="83000">
+              <a:schemeClr val="accent4">
+                <a:lumMod val="45000"/>
+                <a:lumOff val="55000"/>
+              </a:schemeClr>
+            </a:gs>
+            <a:gs pos="100000">
+              <a:schemeClr val="accent4">
+                <a:lumMod val="40000"/>
+                <a:lumOff val="60000"/>
+              </a:schemeClr>
+            </a:gs>
+          </a:gsLst>
+          <a:lin ang="5400000" scaled="1"/>
+          <a:tileRect/>
+        </a:gradFill>
+        <a:effectLst/>
+      </p:bgPr>
+    </p:bg>
     <p:spTree>
       <p:nvGrpSpPr>
         <p:cNvPr id="1" name=""/>
@@ -5284,7 +5404,7 @@
           <a:p>
             <a:pPr eaLnBrk="1" hangingPunct="1"/>
             <a:r>
-              <a:rPr lang="en-US" altLang="en-US" dirty="0" smtClean="0"/>
+              <a:rPr lang="en-US" altLang="en-US" dirty="0"/>
               <a:t>Functions  - bind</a:t>
             </a:r>
           </a:p>
@@ -5441,6 +5561,41 @@
 <file path=ppt/slides/slide13.xml><?xml version="1.0" encoding="utf-8"?>
 <p:sld xmlns:a="http://schemas.openxmlformats.org/drawingml/2006/main" xmlns:r="http://schemas.openxmlformats.org/officeDocument/2006/relationships" xmlns:p="http://schemas.openxmlformats.org/presentationml/2006/main">
   <p:cSld>
+    <p:bg>
+      <p:bgPr>
+        <a:gradFill flip="none" rotWithShape="1">
+          <a:gsLst>
+            <a:gs pos="0">
+              <a:schemeClr val="accent4">
+                <a:lumMod val="5000"/>
+                <a:lumOff val="95000"/>
+              </a:schemeClr>
+            </a:gs>
+            <a:gs pos="58000">
+              <a:schemeClr val="accent1">
+                <a:lumMod val="60000"/>
+                <a:lumOff val="40000"/>
+              </a:schemeClr>
+            </a:gs>
+            <a:gs pos="83000">
+              <a:schemeClr val="accent4">
+                <a:lumMod val="45000"/>
+                <a:lumOff val="55000"/>
+              </a:schemeClr>
+            </a:gs>
+            <a:gs pos="100000">
+              <a:schemeClr val="accent4">
+                <a:lumMod val="40000"/>
+                <a:lumOff val="60000"/>
+              </a:schemeClr>
+            </a:gs>
+          </a:gsLst>
+          <a:lin ang="5400000" scaled="1"/>
+          <a:tileRect/>
+        </a:gradFill>
+        <a:effectLst/>
+      </p:bgPr>
+    </p:bg>
     <p:spTree>
       <p:nvGrpSpPr>
         <p:cNvPr id="1" name=""/>
@@ -5476,7 +5631,7 @@
           <a:p>
             <a:pPr eaLnBrk="1" hangingPunct="1"/>
             <a:r>
-              <a:rPr lang="en-US" altLang="en-US" smtClean="0"/>
+              <a:rPr lang="en-US" altLang="en-US"/>
               <a:t>Functions -bind (contd.)</a:t>
             </a:r>
           </a:p>
@@ -5793,6 +5948,41 @@
 <file path=ppt/slides/slide14.xml><?xml version="1.0" encoding="utf-8"?>
 <p:sld xmlns:a="http://schemas.openxmlformats.org/drawingml/2006/main" xmlns:r="http://schemas.openxmlformats.org/officeDocument/2006/relationships" xmlns:p="http://schemas.openxmlformats.org/presentationml/2006/main">
   <p:cSld>
+    <p:bg>
+      <p:bgPr>
+        <a:gradFill flip="none" rotWithShape="1">
+          <a:gsLst>
+            <a:gs pos="0">
+              <a:schemeClr val="accent4">
+                <a:lumMod val="5000"/>
+                <a:lumOff val="95000"/>
+              </a:schemeClr>
+            </a:gs>
+            <a:gs pos="58000">
+              <a:schemeClr val="accent1">
+                <a:lumMod val="60000"/>
+                <a:lumOff val="40000"/>
+              </a:schemeClr>
+            </a:gs>
+            <a:gs pos="83000">
+              <a:schemeClr val="accent4">
+                <a:lumMod val="45000"/>
+                <a:lumOff val="55000"/>
+              </a:schemeClr>
+            </a:gs>
+            <a:gs pos="100000">
+              <a:schemeClr val="accent4">
+                <a:lumMod val="40000"/>
+                <a:lumOff val="60000"/>
+              </a:schemeClr>
+            </a:gs>
+          </a:gsLst>
+          <a:lin ang="5400000" scaled="1"/>
+          <a:tileRect/>
+        </a:gradFill>
+        <a:effectLst/>
+      </p:bgPr>
+    </p:bg>
     <p:spTree>
       <p:nvGrpSpPr>
         <p:cNvPr id="1" name=""/>
@@ -5828,7 +6018,7 @@
           <a:p>
             <a:pPr eaLnBrk="1" hangingPunct="1"/>
             <a:r>
-              <a:rPr lang="en-US" altLang="en-US" smtClean="0"/>
+              <a:rPr lang="en-US" altLang="en-US"/>
               <a:t>Functions (contd.) - close</a:t>
             </a:r>
           </a:p>
@@ -5903,6 +6093,41 @@
 <file path=ppt/slides/slide15.xml><?xml version="1.0" encoding="utf-8"?>
 <p:sld xmlns:a="http://schemas.openxmlformats.org/drawingml/2006/main" xmlns:r="http://schemas.openxmlformats.org/officeDocument/2006/relationships" xmlns:p="http://schemas.openxmlformats.org/presentationml/2006/main">
   <p:cSld>
+    <p:bg>
+      <p:bgPr>
+        <a:gradFill flip="none" rotWithShape="1">
+          <a:gsLst>
+            <a:gs pos="0">
+              <a:schemeClr val="accent4">
+                <a:lumMod val="5000"/>
+                <a:lumOff val="95000"/>
+              </a:schemeClr>
+            </a:gs>
+            <a:gs pos="58000">
+              <a:schemeClr val="accent1">
+                <a:lumMod val="60000"/>
+                <a:lumOff val="40000"/>
+              </a:schemeClr>
+            </a:gs>
+            <a:gs pos="83000">
+              <a:schemeClr val="accent4">
+                <a:lumMod val="45000"/>
+                <a:lumOff val="55000"/>
+              </a:schemeClr>
+            </a:gs>
+            <a:gs pos="100000">
+              <a:schemeClr val="accent4">
+                <a:lumMod val="40000"/>
+                <a:lumOff val="60000"/>
+              </a:schemeClr>
+            </a:gs>
+          </a:gsLst>
+          <a:lin ang="5400000" scaled="1"/>
+          <a:tileRect/>
+        </a:gradFill>
+        <a:effectLst/>
+      </p:bgPr>
+    </p:bg>
     <p:spTree>
       <p:nvGrpSpPr>
         <p:cNvPr id="1" name=""/>
@@ -5938,7 +6163,7 @@
           <a:p>
             <a:pPr eaLnBrk="1" hangingPunct="1"/>
             <a:r>
-              <a:rPr lang="en-US" altLang="en-US" smtClean="0"/>
+              <a:rPr lang="en-US" altLang="en-US"/>
               <a:t>Functions (contd.) - connect</a:t>
             </a:r>
           </a:p>
@@ -6040,6 +6265,41 @@
 <file path=ppt/slides/slide16.xml><?xml version="1.0" encoding="utf-8"?>
 <p:sld xmlns:a="http://schemas.openxmlformats.org/drawingml/2006/main" xmlns:r="http://schemas.openxmlformats.org/officeDocument/2006/relationships" xmlns:p="http://schemas.openxmlformats.org/presentationml/2006/main">
   <p:cSld>
+    <p:bg>
+      <p:bgPr>
+        <a:gradFill flip="none" rotWithShape="1">
+          <a:gsLst>
+            <a:gs pos="0">
+              <a:schemeClr val="accent4">
+                <a:lumMod val="5000"/>
+                <a:lumOff val="95000"/>
+              </a:schemeClr>
+            </a:gs>
+            <a:gs pos="58000">
+              <a:schemeClr val="accent1">
+                <a:lumMod val="60000"/>
+                <a:lumOff val="40000"/>
+              </a:schemeClr>
+            </a:gs>
+            <a:gs pos="83000">
+              <a:schemeClr val="accent4">
+                <a:lumMod val="45000"/>
+                <a:lumOff val="55000"/>
+              </a:schemeClr>
+            </a:gs>
+            <a:gs pos="100000">
+              <a:schemeClr val="accent4">
+                <a:lumMod val="40000"/>
+                <a:lumOff val="60000"/>
+              </a:schemeClr>
+            </a:gs>
+          </a:gsLst>
+          <a:lin ang="5400000" scaled="1"/>
+          <a:tileRect/>
+        </a:gradFill>
+        <a:effectLst/>
+      </p:bgPr>
+    </p:bg>
     <p:spTree>
       <p:nvGrpSpPr>
         <p:cNvPr id="1" name=""/>
@@ -6075,7 +6335,7 @@
           <a:p>
             <a:pPr eaLnBrk="1" hangingPunct="1"/>
             <a:r>
-              <a:rPr lang="en-US" altLang="en-US" smtClean="0"/>
+              <a:rPr lang="en-US" altLang="en-US"/>
               <a:t>Functions (contd.) -sending</a:t>
             </a:r>
           </a:p>
@@ -6201,6 +6461,41 @@
 <file path=ppt/slides/slide2.xml><?xml version="1.0" encoding="utf-8"?>
 <p:sld xmlns:a="http://schemas.openxmlformats.org/drawingml/2006/main" xmlns:r="http://schemas.openxmlformats.org/officeDocument/2006/relationships" xmlns:p="http://schemas.openxmlformats.org/presentationml/2006/main">
   <p:cSld>
+    <p:bg>
+      <p:bgPr>
+        <a:gradFill flip="none" rotWithShape="1">
+          <a:gsLst>
+            <a:gs pos="0">
+              <a:schemeClr val="accent4">
+                <a:lumMod val="5000"/>
+                <a:lumOff val="95000"/>
+              </a:schemeClr>
+            </a:gs>
+            <a:gs pos="58000">
+              <a:schemeClr val="accent1">
+                <a:lumMod val="60000"/>
+                <a:lumOff val="40000"/>
+              </a:schemeClr>
+            </a:gs>
+            <a:gs pos="83000">
+              <a:schemeClr val="accent4">
+                <a:lumMod val="45000"/>
+                <a:lumOff val="55000"/>
+              </a:schemeClr>
+            </a:gs>
+            <a:gs pos="100000">
+              <a:schemeClr val="accent4">
+                <a:lumMod val="40000"/>
+                <a:lumOff val="60000"/>
+              </a:schemeClr>
+            </a:gs>
+          </a:gsLst>
+          <a:lin ang="5400000" scaled="1"/>
+          <a:tileRect/>
+        </a:gradFill>
+        <a:effectLst/>
+      </p:bgPr>
+    </p:bg>
     <p:spTree>
       <p:nvGrpSpPr>
         <p:cNvPr id="1" name=""/>
@@ -6231,7 +6526,7 @@
           <a:lstStyle/>
           <a:p>
             <a:r>
-              <a:rPr lang="en-US" dirty="0" smtClean="0"/>
+              <a:rPr lang="en-US" dirty="0"/>
               <a:t>Definition</a:t>
             </a:r>
             <a:endParaRPr lang="ru-RU" dirty="0"/>
@@ -6272,7 +6567,7 @@
               <a:buNone/>
             </a:pPr>
             <a:r>
-              <a:rPr lang="en-US" b="1" dirty="0" smtClean="0"/>
+              <a:rPr lang="en-US" b="1" dirty="0"/>
               <a:t>	</a:t>
             </a:r>
             <a:endParaRPr lang="en-US" dirty="0"/>
@@ -6347,6 +6642,41 @@
 <file path=ppt/slides/slide3.xml><?xml version="1.0" encoding="utf-8"?>
 <p:sld xmlns:a="http://schemas.openxmlformats.org/drawingml/2006/main" xmlns:r="http://schemas.openxmlformats.org/officeDocument/2006/relationships" xmlns:p="http://schemas.openxmlformats.org/presentationml/2006/main">
   <p:cSld>
+    <p:bg>
+      <p:bgPr>
+        <a:gradFill flip="none" rotWithShape="1">
+          <a:gsLst>
+            <a:gs pos="0">
+              <a:schemeClr val="accent4">
+                <a:lumMod val="5000"/>
+                <a:lumOff val="95000"/>
+              </a:schemeClr>
+            </a:gs>
+            <a:gs pos="58000">
+              <a:schemeClr val="accent1">
+                <a:lumMod val="60000"/>
+                <a:lumOff val="40000"/>
+              </a:schemeClr>
+            </a:gs>
+            <a:gs pos="83000">
+              <a:schemeClr val="accent4">
+                <a:lumMod val="45000"/>
+                <a:lumOff val="55000"/>
+              </a:schemeClr>
+            </a:gs>
+            <a:gs pos="100000">
+              <a:schemeClr val="accent4">
+                <a:lumMod val="40000"/>
+                <a:lumOff val="60000"/>
+              </a:schemeClr>
+            </a:gs>
+          </a:gsLst>
+          <a:lin ang="5400000" scaled="1"/>
+          <a:tileRect/>
+        </a:gradFill>
+        <a:effectLst/>
+      </p:bgPr>
+    </p:bg>
     <p:spTree>
       <p:nvGrpSpPr>
         <p:cNvPr id="1" name=""/>
@@ -6377,7 +6707,7 @@
           <a:lstStyle/>
           <a:p>
             <a:r>
-              <a:rPr lang="en-US" dirty="0" smtClean="0"/>
+              <a:rPr lang="en-US" dirty="0"/>
               <a:t>Definition</a:t>
             </a:r>
             <a:endParaRPr lang="ru-RU" dirty="0"/>
@@ -6405,12 +6735,8 @@
               <a:buNone/>
             </a:pPr>
             <a:r>
-              <a:rPr lang="en-US" dirty="0" smtClean="0"/>
-              <a:t>	Sockets </a:t>
-            </a:r>
-            <a:r>
               <a:rPr lang="en-US" dirty="0"/>
-              <a:t>allow communication between two different processes on the same or different machines. To be more precise, it's a way to talk to other computers using standard Unix file descriptors. In Unix, every I/O action is done by writing or reading a file descriptor. A file descriptor is just an integer associated with an open file and it can be a network connection, a text file, a terminal, or something else.</a:t>
+              <a:t>	Sockets allow communication between two different processes on the same or different machines. To be more precise, it's a way to talk to other computers using standard Unix file descriptors. In Unix, every I/O action is done by writing or reading a file descriptor. A file descriptor is just an integer associated with an open file and it can be a network connection, a text file, a terminal, or something else.</a:t>
             </a:r>
             <a:endParaRPr lang="en-US" b="1" dirty="0"/>
           </a:p>
@@ -6418,7 +6744,7 @@
             <a:pPr marL="0" indent="0">
               <a:buNone/>
             </a:pPr>
-            <a:endParaRPr lang="en-US" dirty="0" smtClean="0"/>
+            <a:endParaRPr lang="en-US" dirty="0"/>
           </a:p>
           <a:p>
             <a:pPr marL="0" indent="0">
@@ -6431,7 +6757,7 @@
               <a:buNone/>
             </a:pPr>
             <a:r>
-              <a:rPr lang="en-US" b="1" dirty="0" smtClean="0"/>
+              <a:rPr lang="en-US" b="1" dirty="0"/>
               <a:t>	</a:t>
             </a:r>
             <a:endParaRPr lang="en-US" dirty="0"/>
@@ -6513,6 +6839,41 @@
 <file path=ppt/slides/slide4.xml><?xml version="1.0" encoding="utf-8"?>
 <p:sld xmlns:a="http://schemas.openxmlformats.org/drawingml/2006/main" xmlns:r="http://schemas.openxmlformats.org/officeDocument/2006/relationships" xmlns:p="http://schemas.openxmlformats.org/presentationml/2006/main">
   <p:cSld>
+    <p:bg>
+      <p:bgPr>
+        <a:gradFill flip="none" rotWithShape="1">
+          <a:gsLst>
+            <a:gs pos="0">
+              <a:schemeClr val="accent4">
+                <a:lumMod val="5000"/>
+                <a:lumOff val="95000"/>
+              </a:schemeClr>
+            </a:gs>
+            <a:gs pos="58000">
+              <a:schemeClr val="accent1">
+                <a:lumMod val="60000"/>
+                <a:lumOff val="40000"/>
+              </a:schemeClr>
+            </a:gs>
+            <a:gs pos="83000">
+              <a:schemeClr val="accent4">
+                <a:lumMod val="45000"/>
+                <a:lumOff val="55000"/>
+              </a:schemeClr>
+            </a:gs>
+            <a:gs pos="100000">
+              <a:schemeClr val="accent4">
+                <a:lumMod val="40000"/>
+                <a:lumOff val="60000"/>
+              </a:schemeClr>
+            </a:gs>
+          </a:gsLst>
+          <a:lin ang="5400000" scaled="1"/>
+          <a:tileRect/>
+        </a:gradFill>
+        <a:effectLst/>
+      </p:bgPr>
+    </p:bg>
     <p:spTree>
       <p:nvGrpSpPr>
         <p:cNvPr id="1" name=""/>
@@ -6544,11 +6905,7 @@
           <a:p>
             <a:r>
               <a:rPr lang="en-US" dirty="0"/>
-              <a:t>Where is Socket Used</a:t>
-            </a:r>
-            <a:r>
-              <a:rPr lang="en-US" dirty="0" smtClean="0"/>
-              <a:t>?</a:t>
+              <a:t>Where is Socket Used?</a:t>
             </a:r>
             <a:endParaRPr lang="ru-RU" dirty="0"/>
           </a:p>
@@ -6566,7 +6923,7 @@
         </p:nvSpPr>
         <p:spPr>
           <a:xfrm>
-            <a:off x="212942" y="1176285"/>
+            <a:off x="212942" y="694818"/>
             <a:ext cx="11515715" cy="5257346"/>
           </a:xfrm>
         </p:spPr>
@@ -6580,7 +6937,7 @@
               <a:buNone/>
             </a:pPr>
             <a:r>
-              <a:rPr lang="en-US" dirty="0" smtClean="0"/>
+              <a:rPr lang="en-US" dirty="0"/>
               <a:t>	</a:t>
             </a:r>
           </a:p>
@@ -6589,7 +6946,7 @@
               <a:buNone/>
             </a:pPr>
             <a:r>
-              <a:rPr lang="en-US" b="1" dirty="0" smtClean="0"/>
+              <a:rPr lang="en-US" b="1" dirty="0"/>
               <a:t>	</a:t>
             </a:r>
             <a:r>
@@ -6598,20 +6955,39 @@
             </a:r>
           </a:p>
           <a:p>
+            <a:pPr>
+              <a:lnSpc>
+                <a:spcPct val="200000"/>
+              </a:lnSpc>
+            </a:pPr>
             <a:r>
               <a:rPr lang="en-US" altLang="en-US" dirty="0"/>
-              <a:t> For example, consider a client-server application. How to share (large amounts of ) data? </a:t>
-            </a:r>
-          </a:p>
-          <a:p>
-            <a:r>
-              <a:rPr lang="en-US" altLang="en-US" dirty="0"/>
+              <a:t> </a:t>
+            </a:r>
+            <a:r>
+              <a:rPr lang="en-US" altLang="en-US" sz="2400" dirty="0"/>
+              <a:t>For example, consider a client-server application. How to share (large amounts of ) data? </a:t>
+            </a:r>
+          </a:p>
+          <a:p>
+            <a:pPr>
+              <a:lnSpc>
+                <a:spcPct val="200000"/>
+              </a:lnSpc>
+            </a:pPr>
+            <a:r>
+              <a:rPr lang="en-US" altLang="en-US" sz="2400" dirty="0"/>
               <a:t>Share files? How to avoid contention? What kind of system support is available? </a:t>
             </a:r>
           </a:p>
           <a:p>
-            <a:r>
-              <a:rPr lang="en-US" altLang="en-US" dirty="0"/>
+            <a:pPr>
+              <a:lnSpc>
+                <a:spcPct val="200000"/>
+              </a:lnSpc>
+            </a:pPr>
+            <a:r>
+              <a:rPr lang="en-US" altLang="en-US" sz="2400" dirty="0"/>
               <a:t>We want a general mechanism that will work for processes irrespective of their location.</a:t>
             </a:r>
           </a:p>
@@ -6639,6 +7015,41 @@
 <file path=ppt/slides/slide5.xml><?xml version="1.0" encoding="utf-8"?>
 <p:sld xmlns:a="http://schemas.openxmlformats.org/drawingml/2006/main" xmlns:r="http://schemas.openxmlformats.org/officeDocument/2006/relationships" xmlns:p="http://schemas.openxmlformats.org/presentationml/2006/main">
   <p:cSld>
+    <p:bg>
+      <p:bgPr>
+        <a:gradFill flip="none" rotWithShape="1">
+          <a:gsLst>
+            <a:gs pos="0">
+              <a:schemeClr val="accent4">
+                <a:lumMod val="5000"/>
+                <a:lumOff val="95000"/>
+              </a:schemeClr>
+            </a:gs>
+            <a:gs pos="58000">
+              <a:schemeClr val="accent1">
+                <a:lumMod val="60000"/>
+                <a:lumOff val="40000"/>
+              </a:schemeClr>
+            </a:gs>
+            <a:gs pos="83000">
+              <a:schemeClr val="accent4">
+                <a:lumMod val="45000"/>
+                <a:lumOff val="55000"/>
+              </a:schemeClr>
+            </a:gs>
+            <a:gs pos="100000">
+              <a:schemeClr val="accent4">
+                <a:lumMod val="40000"/>
+                <a:lumOff val="60000"/>
+              </a:schemeClr>
+            </a:gs>
+          </a:gsLst>
+          <a:lin ang="5400000" scaled="1"/>
+          <a:tileRect/>
+        </a:gradFill>
+        <a:effectLst/>
+      </p:bgPr>
+    </p:bg>
     <p:spTree>
       <p:nvGrpSpPr>
         <p:cNvPr id="1" name=""/>
@@ -6670,11 +7081,7 @@
           <a:p>
             <a:r>
               <a:rPr lang="en-US" dirty="0"/>
-              <a:t>Where is Socket Used</a:t>
-            </a:r>
-            <a:r>
-              <a:rPr lang="en-US" dirty="0" smtClean="0"/>
-              <a:t>?</a:t>
+              <a:t>Where is Socket Used?</a:t>
             </a:r>
             <a:endParaRPr lang="ru-RU" dirty="0"/>
           </a:p>
@@ -6706,14 +7113,9 @@
               <a:buNone/>
             </a:pPr>
             <a:r>
-              <a:rPr lang="en-US" dirty="0" smtClean="0"/>
-              <a:t>	A </a:t>
-            </a:r>
-            <a:r>
               <a:rPr lang="en-US" dirty="0"/>
-              <a:t>Unix Socket is used in a client-server application framework. A server is a process that performs some functions on request from a client. Most of the application-level protocols like FTP, SMTP, and POP3 make use of sockets to establish connection between client and server and then for exchanging data.</a:t>
-            </a:r>
-            <a:endParaRPr lang="en-US" dirty="0" smtClean="0"/>
+              <a:t>	A Unix Socket is used in a client-server application framework. A server is a process that performs some functions on request from a client. Most of the application-level protocols like FTP, SMTP, and POP3 make use of sockets to establish connection between client and server and then for exchanging data.</a:t>
+            </a:r>
           </a:p>
           <a:p>
             <a:pPr marL="0" indent="0">
@@ -6726,7 +7128,7 @@
               <a:buNone/>
             </a:pPr>
             <a:r>
-              <a:rPr lang="en-US" b="1" dirty="0" smtClean="0"/>
+              <a:rPr lang="en-US" b="1" dirty="0"/>
               <a:t>	</a:t>
             </a:r>
             <a:endParaRPr lang="en-US" dirty="0"/>
@@ -6852,6 +7254,41 @@
 <file path=ppt/slides/slide6.xml><?xml version="1.0" encoding="utf-8"?>
 <p:sld xmlns:a="http://schemas.openxmlformats.org/drawingml/2006/main" xmlns:r="http://schemas.openxmlformats.org/officeDocument/2006/relationships" xmlns:p="http://schemas.openxmlformats.org/presentationml/2006/main">
   <p:cSld>
+    <p:bg>
+      <p:bgPr>
+        <a:gradFill flip="none" rotWithShape="1">
+          <a:gsLst>
+            <a:gs pos="0">
+              <a:schemeClr val="accent4">
+                <a:lumMod val="5000"/>
+                <a:lumOff val="95000"/>
+              </a:schemeClr>
+            </a:gs>
+            <a:gs pos="58000">
+              <a:schemeClr val="accent1">
+                <a:lumMod val="60000"/>
+                <a:lumOff val="40000"/>
+              </a:schemeClr>
+            </a:gs>
+            <a:gs pos="83000">
+              <a:schemeClr val="accent4">
+                <a:lumMod val="45000"/>
+                <a:lumOff val="55000"/>
+              </a:schemeClr>
+            </a:gs>
+            <a:gs pos="100000">
+              <a:schemeClr val="accent4">
+                <a:lumMod val="40000"/>
+                <a:lumOff val="60000"/>
+              </a:schemeClr>
+            </a:gs>
+          </a:gsLst>
+          <a:lin ang="5400000" scaled="1"/>
+          <a:tileRect/>
+        </a:gradFill>
+        <a:effectLst/>
+      </p:bgPr>
+    </p:bg>
     <p:spTree>
       <p:nvGrpSpPr>
         <p:cNvPr id="1" name=""/>
@@ -6883,11 +7320,7 @@
           <a:p>
             <a:r>
               <a:rPr lang="en-US" dirty="0"/>
-              <a:t>Where is Socket Used</a:t>
-            </a:r>
-            <a:r>
-              <a:rPr lang="en-US" dirty="0" smtClean="0"/>
-              <a:t>?</a:t>
+              <a:t>Where is Socket Used?</a:t>
             </a:r>
             <a:endParaRPr lang="ru-RU" dirty="0"/>
           </a:p>
@@ -6919,14 +7352,9 @@
               <a:buNone/>
             </a:pPr>
             <a:r>
-              <a:rPr lang="en-US" dirty="0" smtClean="0"/>
-              <a:t>	A </a:t>
-            </a:r>
-            <a:r>
               <a:rPr lang="en-US" dirty="0"/>
-              <a:t>Unix Socket is used in a client-server application framework. A server is a process that performs some functions on request from a client. Most of the application-level protocols like FTP, SMTP, and POP3 make use of sockets to establish connection between client and server and then for exchanging data.</a:t>
-            </a:r>
-            <a:endParaRPr lang="en-US" dirty="0" smtClean="0"/>
+              <a:t>	A Unix Socket is used in a client-server application framework. A server is a process that performs some functions on request from a client. Most of the application-level protocols like FTP, SMTP, and POP3 make use of sockets to establish connection between client and server and then for exchanging data.</a:t>
+            </a:r>
           </a:p>
           <a:p>
             <a:pPr marL="0" indent="0">
@@ -6939,7 +7367,7 @@
               <a:buNone/>
             </a:pPr>
             <a:r>
-              <a:rPr lang="en-US" b="1" dirty="0" smtClean="0"/>
+              <a:rPr lang="en-US" b="1" dirty="0"/>
               <a:t>	</a:t>
             </a:r>
             <a:endParaRPr lang="en-US" dirty="0"/>
@@ -7031,6 +7459,41 @@
 <file path=ppt/slides/slide7.xml><?xml version="1.0" encoding="utf-8"?>
 <p:sld xmlns:a="http://schemas.openxmlformats.org/drawingml/2006/main" xmlns:r="http://schemas.openxmlformats.org/officeDocument/2006/relationships" xmlns:p="http://schemas.openxmlformats.org/presentationml/2006/main">
   <p:cSld>
+    <p:bg>
+      <p:bgPr>
+        <a:gradFill flip="none" rotWithShape="1">
+          <a:gsLst>
+            <a:gs pos="0">
+              <a:schemeClr val="accent4">
+                <a:lumMod val="5000"/>
+                <a:lumOff val="95000"/>
+              </a:schemeClr>
+            </a:gs>
+            <a:gs pos="58000">
+              <a:schemeClr val="accent1">
+                <a:lumMod val="60000"/>
+                <a:lumOff val="40000"/>
+              </a:schemeClr>
+            </a:gs>
+            <a:gs pos="83000">
+              <a:schemeClr val="accent4">
+                <a:lumMod val="45000"/>
+                <a:lumOff val="55000"/>
+              </a:schemeClr>
+            </a:gs>
+            <a:gs pos="100000">
+              <a:schemeClr val="accent4">
+                <a:lumMod val="40000"/>
+                <a:lumOff val="60000"/>
+              </a:schemeClr>
+            </a:gs>
+          </a:gsLst>
+          <a:lin ang="5400000" scaled="1"/>
+          <a:tileRect/>
+        </a:gradFill>
+        <a:effectLst/>
+      </p:bgPr>
+    </p:bg>
     <p:spTree>
       <p:nvGrpSpPr>
         <p:cNvPr id="1" name=""/>
@@ -7061,12 +7524,8 @@
           <a:lstStyle/>
           <a:p>
             <a:r>
-              <a:rPr lang="en-GB" altLang="en-US" dirty="0" smtClean="0"/>
-              <a:t>Sockets </a:t>
-            </a:r>
-            <a:r>
               <a:rPr lang="en-GB" altLang="en-US" dirty="0"/>
-              <a:t>and ports</a:t>
+              <a:t>Sockets and ports</a:t>
             </a:r>
             <a:endParaRPr lang="ru-RU" dirty="0"/>
           </a:p>
@@ -7140,6 +7599,41 @@
 <file path=ppt/slides/slide8.xml><?xml version="1.0" encoding="utf-8"?>
 <p:sld xmlns:a="http://schemas.openxmlformats.org/drawingml/2006/main" xmlns:r="http://schemas.openxmlformats.org/officeDocument/2006/relationships" xmlns:p="http://schemas.openxmlformats.org/presentationml/2006/main">
   <p:cSld>
+    <p:bg>
+      <p:bgPr>
+        <a:gradFill flip="none" rotWithShape="1">
+          <a:gsLst>
+            <a:gs pos="0">
+              <a:schemeClr val="accent4">
+                <a:lumMod val="5000"/>
+                <a:lumOff val="95000"/>
+              </a:schemeClr>
+            </a:gs>
+            <a:gs pos="58000">
+              <a:schemeClr val="accent1">
+                <a:lumMod val="60000"/>
+                <a:lumOff val="40000"/>
+              </a:schemeClr>
+            </a:gs>
+            <a:gs pos="83000">
+              <a:schemeClr val="accent4">
+                <a:lumMod val="45000"/>
+                <a:lumOff val="55000"/>
+              </a:schemeClr>
+            </a:gs>
+            <a:gs pos="100000">
+              <a:schemeClr val="accent4">
+                <a:lumMod val="40000"/>
+                <a:lumOff val="60000"/>
+              </a:schemeClr>
+            </a:gs>
+          </a:gsLst>
+          <a:lin ang="5400000" scaled="1"/>
+          <a:tileRect/>
+        </a:gradFill>
+        <a:effectLst/>
+      </p:bgPr>
+    </p:bg>
     <p:spTree>
       <p:nvGrpSpPr>
         <p:cNvPr id="1" name=""/>
@@ -7166,7 +7660,7 @@
         </p:nvSpPr>
         <p:spPr>
           <a:xfrm>
-            <a:off x="635000" y="729764"/>
+            <a:off x="258483" y="163971"/>
             <a:ext cx="10587057" cy="582274"/>
           </a:xfrm>
         </p:spPr>
@@ -7176,7 +7670,7 @@
           <a:p>
             <a:pPr eaLnBrk="1" hangingPunct="1"/>
             <a:r>
-              <a:rPr lang="en-US" altLang="en-US" smtClean="0"/>
+              <a:rPr lang="en-US" altLang="en-US" dirty="0"/>
               <a:t>Inter Process Communication</a:t>
             </a:r>
           </a:p>
@@ -7314,6 +7808,41 @@
 <file path=ppt/slides/slide9.xml><?xml version="1.0" encoding="utf-8"?>
 <p:sld xmlns:a="http://schemas.openxmlformats.org/drawingml/2006/main" xmlns:r="http://schemas.openxmlformats.org/officeDocument/2006/relationships" xmlns:p="http://schemas.openxmlformats.org/presentationml/2006/main">
   <p:cSld>
+    <p:bg>
+      <p:bgPr>
+        <a:gradFill flip="none" rotWithShape="1">
+          <a:gsLst>
+            <a:gs pos="0">
+              <a:schemeClr val="accent4">
+                <a:lumMod val="5000"/>
+                <a:lumOff val="95000"/>
+              </a:schemeClr>
+            </a:gs>
+            <a:gs pos="58000">
+              <a:schemeClr val="accent1">
+                <a:lumMod val="60000"/>
+                <a:lumOff val="40000"/>
+              </a:schemeClr>
+            </a:gs>
+            <a:gs pos="83000">
+              <a:schemeClr val="accent4">
+                <a:lumMod val="45000"/>
+                <a:lumOff val="55000"/>
+              </a:schemeClr>
+            </a:gs>
+            <a:gs pos="100000">
+              <a:schemeClr val="accent4">
+                <a:lumMod val="40000"/>
+                <a:lumOff val="60000"/>
+              </a:schemeClr>
+            </a:gs>
+          </a:gsLst>
+          <a:lin ang="5400000" scaled="1"/>
+          <a:tileRect/>
+        </a:gradFill>
+        <a:effectLst/>
+      </p:bgPr>
+    </p:bg>
     <p:spTree>
       <p:nvGrpSpPr>
         <p:cNvPr id="1" name=""/>
@@ -7338,14 +7867,19 @@
             <p:ph type="title"/>
           </p:nvPr>
         </p:nvSpPr>
-        <p:spPr/>
+        <p:spPr>
+          <a:xfrm>
+            <a:off x="212942" y="247426"/>
+            <a:ext cx="10587057" cy="447392"/>
+          </a:xfrm>
+        </p:spPr>
         <p:txBody>
           <a:bodyPr/>
           <a:lstStyle/>
           <a:p>
             <a:pPr eaLnBrk="1" hangingPunct="1"/>
             <a:r>
-              <a:rPr lang="en-US" altLang="en-US" smtClean="0"/>
+              <a:rPr lang="en-US" altLang="en-US" dirty="0"/>
               <a:t>Socket Names</a:t>
             </a:r>
           </a:p>
@@ -7373,21 +7907,21 @@
           <a:p>
             <a:pPr eaLnBrk="1" hangingPunct="1"/>
             <a:r>
-              <a:rPr lang="en-US" altLang="en-US" dirty="0" smtClean="0"/>
+              <a:rPr lang="en-US" altLang="en-US" dirty="0"/>
               <a:t>Applications refer to sockets by name.</a:t>
             </a:r>
           </a:p>
           <a:p>
             <a:pPr eaLnBrk="1" hangingPunct="1"/>
             <a:r>
-              <a:rPr lang="en-US" altLang="en-US" dirty="0" smtClean="0"/>
+              <a:rPr lang="en-US" altLang="en-US" dirty="0"/>
               <a:t>But within the communication domain sockets are referred by addresses.</a:t>
             </a:r>
           </a:p>
           <a:p>
             <a:pPr eaLnBrk="1" hangingPunct="1"/>
             <a:r>
-              <a:rPr lang="en-US" altLang="en-US" dirty="0" smtClean="0"/>
+              <a:rPr lang="en-US" altLang="en-US" dirty="0"/>
               <a:t>Name to address translation is usually done outside the operating system.</a:t>
             </a:r>
           </a:p>
